--- a/Progetto PMCSN.pptx
+++ b/Progetto PMCSN.pptx
@@ -8,13 +8,13 @@
     <p:sldId id="256" r:id="rId2"/>
     <p:sldId id="257" r:id="rId3"/>
     <p:sldId id="258" r:id="rId4"/>
-    <p:sldId id="265" r:id="rId5"/>
-    <p:sldId id="294" r:id="rId6"/>
+    <p:sldId id="294" r:id="rId5"/>
+    <p:sldId id="301" r:id="rId6"/>
     <p:sldId id="296" r:id="rId7"/>
     <p:sldId id="297" r:id="rId8"/>
     <p:sldId id="295" r:id="rId9"/>
     <p:sldId id="298" r:id="rId10"/>
-    <p:sldId id="260" r:id="rId11"/>
+    <p:sldId id="302" r:id="rId11"/>
     <p:sldId id="299" r:id="rId12"/>
     <p:sldId id="270" r:id="rId13"/>
     <p:sldId id="271" r:id="rId14"/>
@@ -35,6 +35,7 @@
     <p:sldId id="287" r:id="rId29"/>
     <p:sldId id="289" r:id="rId30"/>
     <p:sldId id="288" r:id="rId31"/>
+    <p:sldId id="303" r:id="rId32"/>
   </p:sldIdLst>
   <p:sldSz cx="12192000" cy="6858000"/>
   <p:notesSz cx="6858000" cy="9144000"/>
@@ -264,7 +265,7 @@
             <a:fld id="{3502E2E0-3ADD-4B19-B8EA-741F2E3A6DC8}" type="datetime1">
               <a:rPr lang="it-IT"/>
               <a:pPr lvl="0"/>
-              <a:t>01/02/2026</a:t>
+              <a:t>03/02/2026</a:t>
             </a:fld>
             <a:endParaRPr lang="it-IT"/>
           </a:p>
@@ -499,7 +500,7 @@
             <a:fld id="{D8CC970A-9954-49DF-81DE-CBB4558476AE}" type="datetime1">
               <a:rPr lang="it-IT"/>
               <a:pPr lvl="0"/>
-              <a:t>01/02/2026</a:t>
+              <a:t>03/02/2026</a:t>
             </a:fld>
             <a:endParaRPr lang="it-IT"/>
           </a:p>
@@ -743,7 +744,7 @@
             <a:fld id="{07B9F56F-E878-4F46-B45D-8075BBCA76AF}" type="datetime1">
               <a:rPr lang="it-IT"/>
               <a:pPr lvl="0"/>
-              <a:t>01/02/2026</a:t>
+              <a:t>03/02/2026</a:t>
             </a:fld>
             <a:endParaRPr lang="it-IT"/>
           </a:p>
@@ -977,7 +978,7 @@
             <a:fld id="{BB1B6B96-B896-4465-81A6-3CFA5FAE48A8}" type="datetime1">
               <a:rPr lang="it-IT"/>
               <a:pPr lvl="0"/>
-              <a:t>01/02/2026</a:t>
+              <a:t>03/02/2026</a:t>
             </a:fld>
             <a:endParaRPr lang="it-IT"/>
           </a:p>
@@ -1187,7 +1188,7 @@
             <a:fld id="{A0A2EA77-1CCD-4EB4-91F7-D568D5B65786}" type="datetime1">
               <a:rPr lang="it-IT"/>
               <a:pPr lvl="0"/>
-              <a:t>01/02/2026</a:t>
+              <a:t>03/02/2026</a:t>
             </a:fld>
             <a:endParaRPr lang="it-IT"/>
           </a:p>
@@ -1504,7 +1505,7 @@
             <a:fld id="{89625E47-8E81-4869-A9BE-67FF6EAF4996}" type="datetime1">
               <a:rPr lang="it-IT"/>
               <a:pPr lvl="0"/>
-              <a:t>01/02/2026</a:t>
+              <a:t>03/02/2026</a:t>
             </a:fld>
             <a:endParaRPr lang="it-IT"/>
           </a:p>
@@ -1905,7 +1906,7 @@
             <a:fld id="{5E827B7F-3340-4A83-808C-5E4E0CEE41B4}" type="datetime1">
               <a:rPr lang="it-IT"/>
               <a:pPr lvl="0"/>
-              <a:t>01/02/2026</a:t>
+              <a:t>03/02/2026</a:t>
             </a:fld>
             <a:endParaRPr lang="it-IT"/>
           </a:p>
@@ -2066,7 +2067,7 @@
             <a:fld id="{0F83BAEA-A6A0-476F-A5DC-285F0A46D3CA}" type="datetime1">
               <a:rPr lang="it-IT"/>
               <a:pPr lvl="0"/>
-              <a:t>01/02/2026</a:t>
+              <a:t>03/02/2026</a:t>
             </a:fld>
             <a:endParaRPr lang="it-IT"/>
           </a:p>
@@ -2194,7 +2195,7 @@
             <a:fld id="{F6683BC0-2CD1-418D-997A-F2D64EB5894D}" type="datetime1">
               <a:rPr lang="it-IT"/>
               <a:pPr lvl="0"/>
-              <a:t>01/02/2026</a:t>
+              <a:t>03/02/2026</a:t>
             </a:fld>
             <a:endParaRPr lang="it-IT"/>
           </a:p>
@@ -2477,7 +2478,7 @@
             <a:fld id="{C492A29F-8273-4FAD-AB7B-47B160F46432}" type="datetime1">
               <a:rPr lang="it-IT"/>
               <a:pPr lvl="0"/>
-              <a:t>01/02/2026</a:t>
+              <a:t>03/02/2026</a:t>
             </a:fld>
             <a:endParaRPr lang="it-IT"/>
           </a:p>
@@ -2718,7 +2719,7 @@
             <a:fld id="{097AA48D-BDD6-4128-9EB7-70290AE6BF80}" type="datetime1">
               <a:rPr lang="it-IT"/>
               <a:pPr lvl="0"/>
-              <a:t>01/02/2026</a:t>
+              <a:t>03/02/2026</a:t>
             </a:fld>
             <a:endParaRPr lang="it-IT"/>
           </a:p>
@@ -2999,7 +3000,7 @@
             <a:fld id="{2B5F889B-EA75-4573-82D3-2C5F2A97FC6B}" type="datetime1">
               <a:rPr lang="it-IT"/>
               <a:pPr lvl="0"/>
-              <a:t>01/02/2026</a:t>
+              <a:t>03/02/2026</a:t>
             </a:fld>
             <a:endParaRPr lang="it-IT"/>
           </a:p>
@@ -4125,7 +4126,7 @@
           <a:p>
             <a:pPr lvl="0" algn="l"/>
             <a:r>
-              <a:rPr lang="it-IT" sz="4800">
+              <a:rPr lang="it-IT" sz="4800" dirty="0">
                 <a:solidFill>
                   <a:srgbClr val="FFFFFF"/>
                 </a:solidFill>
@@ -4163,17 +4164,17 @@
           <a:p>
             <a:pPr lvl="0" algn="l"/>
             <a:r>
-              <a:rPr lang="en-US"/>
+              <a:rPr lang="en-US" dirty="0"/>
               <a:t>Performance Analysis of a Web App Workflow</a:t>
             </a:r>
           </a:p>
           <a:p>
             <a:pPr lvl="0" algn="l"/>
             <a:r>
-              <a:rPr lang="en-US" sz="1800"/>
+              <a:rPr lang="en-US" sz="1800" dirty="0"/>
               <a:t>Maccari Gianluca</a:t>
             </a:r>
-            <a:endParaRPr lang="it-IT" sz="1800"/>
+            <a:endParaRPr lang="it-IT" sz="1800" dirty="0"/>
           </a:p>
         </p:txBody>
       </p:sp>
@@ -4182,214 +4183,12 @@
   <p:clrMapOvr>
     <a:masterClrMapping/>
   </p:clrMapOvr>
-  <p:timing>
-    <p:tnLst>
-      <p:par>
-        <p:cTn id="1" dur="indefinite" restart="never" nodeType="tmRoot">
-          <p:childTnLst>
-            <p:seq concurrent="1" nextAc="seek">
-              <p:cTn id="2" dur="indefinite" nodeType="mainSeq">
-                <p:childTnLst>
-                  <p:par>
-                    <p:cTn id="3" fill="hold">
-                      <p:stCondLst>
-                        <p:cond evt="onBegin" delay="0">
-                          <p:tn val="2"/>
-                        </p:cond>
-                      </p:stCondLst>
-                      <p:childTnLst>
-                        <p:par>
-                          <p:cTn id="4" fill="hold">
-                            <p:stCondLst>
-                              <p:cond delay="0"/>
-                            </p:stCondLst>
-                            <p:childTnLst>
-                              <p:par>
-                                <p:cTn id="5" presetID="10" presetClass="entr" presetSubtype="0" fill="hold" grpId="0" nodeType="withEffect">
-                                  <p:stCondLst>
-                                    <p:cond delay="500"/>
-                                  </p:stCondLst>
-                                  <p:iterate type="wd">
-                                    <p:tmPct val="15000"/>
-                                  </p:iterate>
-                                  <p:childTnLst>
-                                    <p:set>
-                                      <p:cBhvr>
-                                        <p:cTn id="6" dur="1" fill="hold">
-                                          <p:stCondLst>
-                                            <p:cond delay="0"/>
-                                          </p:stCondLst>
-                                        </p:cTn>
-                                        <p:tgtEl>
-                                          <p:spTgt spid="8"/>
-                                        </p:tgtEl>
-                                        <p:attrNameLst>
-                                          <p:attrName>style.visibility</p:attrName>
-                                        </p:attrNameLst>
-                                      </p:cBhvr>
-                                      <p:to>
-                                        <p:strVal val="visible"/>
-                                      </p:to>
-                                    </p:set>
-                                    <p:animEffect transition="in" filter="fade">
-                                      <p:cBhvr>
-                                        <p:cTn id="7" dur="1000"/>
-                                        <p:tgtEl>
-                                          <p:spTgt spid="8"/>
-                                        </p:tgtEl>
-                                      </p:cBhvr>
-                                    </p:animEffect>
-                                  </p:childTnLst>
-                                </p:cTn>
-                              </p:par>
-                              <p:par>
-                                <p:cTn id="8" presetID="10" presetClass="entr" presetSubtype="0" fill="hold" grpId="0" nodeType="withEffect">
-                                  <p:stCondLst>
-                                    <p:cond delay="1000"/>
-                                  </p:stCondLst>
-                                  <p:iterate type="wd">
-                                    <p:tmPct val="15000"/>
-                                  </p:iterate>
-                                  <p:childTnLst>
-                                    <p:set>
-                                      <p:cBhvr>
-                                        <p:cTn id="9" dur="1" fill="hold">
-                                          <p:stCondLst>
-                                            <p:cond delay="0"/>
-                                          </p:stCondLst>
-                                        </p:cTn>
-                                        <p:tgtEl>
-                                          <p:spTgt spid="9">
-                                            <p:txEl>
-                                              <p:pRg st="0" end="0"/>
-                                            </p:txEl>
-                                          </p:spTgt>
-                                        </p:tgtEl>
-                                        <p:attrNameLst>
-                                          <p:attrName>style.visibility</p:attrName>
-                                        </p:attrNameLst>
-                                      </p:cBhvr>
-                                      <p:to>
-                                        <p:strVal val="visible"/>
-                                      </p:to>
-                                    </p:set>
-                                    <p:animEffect transition="in" filter="fade">
-                                      <p:cBhvr>
-                                        <p:cTn id="10" dur="1000"/>
-                                        <p:tgtEl>
-                                          <p:spTgt spid="9">
-                                            <p:txEl>
-                                              <p:pRg st="0" end="0"/>
-                                            </p:txEl>
-                                          </p:spTgt>
-                                        </p:tgtEl>
-                                      </p:cBhvr>
-                                    </p:animEffect>
-                                  </p:childTnLst>
-                                </p:cTn>
-                              </p:par>
-                            </p:childTnLst>
-                          </p:cTn>
-                        </p:par>
-                      </p:childTnLst>
-                    </p:cTn>
-                  </p:par>
-                  <p:par>
-                    <p:cTn id="11" fill="hold">
-                      <p:stCondLst>
-                        <p:cond delay="indefinite"/>
-                      </p:stCondLst>
-                      <p:childTnLst>
-                        <p:par>
-                          <p:cTn id="12" fill="hold">
-                            <p:stCondLst>
-                              <p:cond delay="0"/>
-                            </p:stCondLst>
-                            <p:childTnLst>
-                              <p:par>
-                                <p:cTn id="13" presetID="10" presetClass="entr" presetSubtype="0" fill="hold" grpId="0" nodeType="clickEffect">
-                                  <p:stCondLst>
-                                    <p:cond delay="1000"/>
-                                  </p:stCondLst>
-                                  <p:iterate type="wd">
-                                    <p:tmPct val="15000"/>
-                                  </p:iterate>
-                                  <p:childTnLst>
-                                    <p:set>
-                                      <p:cBhvr>
-                                        <p:cTn id="14" dur="1" fill="hold">
-                                          <p:stCondLst>
-                                            <p:cond delay="0"/>
-                                          </p:stCondLst>
-                                        </p:cTn>
-                                        <p:tgtEl>
-                                          <p:spTgt spid="9">
-                                            <p:txEl>
-                                              <p:pRg st="1" end="1"/>
-                                            </p:txEl>
-                                          </p:spTgt>
-                                        </p:tgtEl>
-                                        <p:attrNameLst>
-                                          <p:attrName>style.visibility</p:attrName>
-                                        </p:attrNameLst>
-                                      </p:cBhvr>
-                                      <p:to>
-                                        <p:strVal val="visible"/>
-                                      </p:to>
-                                    </p:set>
-                                    <p:animEffect transition="in" filter="fade">
-                                      <p:cBhvr>
-                                        <p:cTn id="15" dur="1000"/>
-                                        <p:tgtEl>
-                                          <p:spTgt spid="9">
-                                            <p:txEl>
-                                              <p:pRg st="1" end="1"/>
-                                            </p:txEl>
-                                          </p:spTgt>
-                                        </p:tgtEl>
-                                      </p:cBhvr>
-                                    </p:animEffect>
-                                  </p:childTnLst>
-                                </p:cTn>
-                              </p:par>
-                            </p:childTnLst>
-                          </p:cTn>
-                        </p:par>
-                      </p:childTnLst>
-                    </p:cTn>
-                  </p:par>
-                </p:childTnLst>
-              </p:cTn>
-              <p:prevCondLst>
-                <p:cond evt="onPrev" delay="0">
-                  <p:tgtEl>
-                    <p:sldTgt/>
-                  </p:tgtEl>
-                </p:cond>
-              </p:prevCondLst>
-              <p:nextCondLst>
-                <p:cond evt="onNext" delay="0">
-                  <p:tgtEl>
-                    <p:sldTgt/>
-                  </p:tgtEl>
-                </p:cond>
-              </p:nextCondLst>
-            </p:seq>
-          </p:childTnLst>
-        </p:cTn>
-      </p:par>
-    </p:tnLst>
-    <p:bldLst>
-      <p:bldP spid="8" grpId="0"/>
-      <p:bldP spid="9" grpId="0" build="p"/>
-    </p:bldLst>
-  </p:timing>
 </p:sld>
 </file>
 
 <file path=ppt/slides/slide10.xml><?xml version="1.0" encoding="utf-8"?>
 <p:sld xmlns:a="http://schemas.openxmlformats.org/drawingml/2006/main" xmlns:r="http://schemas.openxmlformats.org/officeDocument/2006/relationships" xmlns:p="http://schemas.openxmlformats.org/presentationml/2006/main">
-  <p:cSld name="Slide5">
+  <p:cSld>
     <p:bg>
       <p:bgPr>
         <a:solidFill>
@@ -4400,7 +4199,13 @@
     </p:bg>
     <p:spTree>
       <p:nvGrpSpPr>
-        <p:cNvPr id="1" name=""/>
+        <p:cNvPr id="1" name="">
+          <a:extLst>
+            <a:ext uri="{FF2B5EF4-FFF2-40B4-BE49-F238E27FC236}">
+              <a16:creationId xmlns:a16="http://schemas.microsoft.com/office/drawing/2014/main" id="{E5FBA7D4-6F44-314D-EB97-B441F5C4B734}"/>
+            </a:ext>
+          </a:extLst>
+        </p:cNvPr>
         <p:cNvGrpSpPr/>
         <p:nvPr/>
       </p:nvGrpSpPr>
@@ -4417,7 +4222,7 @@
           <p:cNvPr id="2" name="Rectangle 7">
             <a:extLst>
               <a:ext uri="{FF2B5EF4-FFF2-40B4-BE49-F238E27FC236}">
-                <a16:creationId xmlns:a16="http://schemas.microsoft.com/office/drawing/2014/main" id="{2C42F28A-10AC-F89B-5234-6AEC6C746533}"/>
+                <a16:creationId xmlns:a16="http://schemas.microsoft.com/office/drawing/2014/main" id="{CAAFFDC4-D241-CC30-2E9E-CCE77AEA783B}"/>
               </a:ext>
               <a:ext uri="{C183D7F6-B498-43B3-948B-1728B52AA6E4}">
                 <adec:decorative xmlns:adec="http://schemas.microsoft.com/office/drawing/2017/decorative" val="1"/>
@@ -4485,7 +4290,7 @@
           <p:cNvPr id="3" name="Rectangle 9">
             <a:extLst>
               <a:ext uri="{FF2B5EF4-FFF2-40B4-BE49-F238E27FC236}">
-                <a16:creationId xmlns:a16="http://schemas.microsoft.com/office/drawing/2014/main" id="{595558B2-F470-5B5B-EE39-534133F83C42}"/>
+                <a16:creationId xmlns:a16="http://schemas.microsoft.com/office/drawing/2014/main" id="{54037831-22AF-952A-D638-595BFBDA31A8}"/>
               </a:ext>
               <a:ext uri="{C183D7F6-B498-43B3-948B-1728B52AA6E4}">
                 <adec:decorative xmlns:adec="http://schemas.microsoft.com/office/drawing/2017/decorative" val="1"/>
@@ -4561,7 +4366,7 @@
           <p:cNvPr id="4" name="Rectangle 11">
             <a:extLst>
               <a:ext uri="{FF2B5EF4-FFF2-40B4-BE49-F238E27FC236}">
-                <a16:creationId xmlns:a16="http://schemas.microsoft.com/office/drawing/2014/main" id="{34CAD6C0-2D29-5887-3160-B9E07E6D1DB0}"/>
+                <a16:creationId xmlns:a16="http://schemas.microsoft.com/office/drawing/2014/main" id="{01057B34-8308-E72F-755B-59AB0697C222}"/>
               </a:ext>
               <a:ext uri="{C183D7F6-B498-43B3-948B-1728B52AA6E4}">
                 <adec:decorative xmlns:adec="http://schemas.microsoft.com/office/drawing/2017/decorative" val="1"/>
@@ -4641,7 +4446,7 @@
           <p:cNvPr id="5" name="Rectangle 13">
             <a:extLst>
               <a:ext uri="{FF2B5EF4-FFF2-40B4-BE49-F238E27FC236}">
-                <a16:creationId xmlns:a16="http://schemas.microsoft.com/office/drawing/2014/main" id="{665D91AB-DD75-6784-318F-9BF6FD4F9DD3}"/>
+                <a16:creationId xmlns:a16="http://schemas.microsoft.com/office/drawing/2014/main" id="{28B889CE-E11B-FFE2-8023-B17AACB82094}"/>
               </a:ext>
               <a:ext uri="{C183D7F6-B498-43B3-948B-1728B52AA6E4}">
                 <adec:decorative xmlns:adec="http://schemas.microsoft.com/office/drawing/2017/decorative" val="1"/>
@@ -4721,7 +4526,7 @@
           <p:cNvPr id="6" name="Rectangle 15">
             <a:extLst>
               <a:ext uri="{FF2B5EF4-FFF2-40B4-BE49-F238E27FC236}">
-                <a16:creationId xmlns:a16="http://schemas.microsoft.com/office/drawing/2014/main" id="{1DA810F4-62A8-5AE0-71C9-B1870BB97407}"/>
+                <a16:creationId xmlns:a16="http://schemas.microsoft.com/office/drawing/2014/main" id="{43F6F196-D19F-3CC3-3609-BB26CEF85BE9}"/>
               </a:ext>
               <a:ext uri="{C183D7F6-B498-43B3-948B-1728B52AA6E4}">
                 <adec:decorative xmlns:adec="http://schemas.microsoft.com/office/drawing/2017/decorative" val="1"/>
@@ -4801,7 +4606,7 @@
           <p:cNvPr id="7" name="Titolo 1">
             <a:extLst>
               <a:ext uri="{FF2B5EF4-FFF2-40B4-BE49-F238E27FC236}">
-                <a16:creationId xmlns:a16="http://schemas.microsoft.com/office/drawing/2014/main" id="{2A24593C-79DA-61B9-32D3-C8654DD549D7}"/>
+                <a16:creationId xmlns:a16="http://schemas.microsoft.com/office/drawing/2014/main" id="{5C33B595-C110-D087-2BAD-36729925900A}"/>
               </a:ext>
             </a:extLst>
           </p:cNvPr>
@@ -4831,14 +4636,14 @@
       </p:sp>
       <p:sp>
         <p:nvSpPr>
-          <p:cNvPr id="9" name="Segnaposto contenuto 8">
-            <a:extLst>
-              <a:ext uri="{FF2B5EF4-FFF2-40B4-BE49-F238E27FC236}">
-                <a16:creationId xmlns:a16="http://schemas.microsoft.com/office/drawing/2014/main" id="{0A6484C2-7197-3DDE-EB66-A64792E8B7BA}"/>
-              </a:ext>
-            </a:extLst>
-          </p:cNvPr>
-          <p:cNvSpPr>
+          <p:cNvPr id="11" name="Segnaposto contenuto 2">
+            <a:extLst>
+              <a:ext uri="{FF2B5EF4-FFF2-40B4-BE49-F238E27FC236}">
+                <a16:creationId xmlns:a16="http://schemas.microsoft.com/office/drawing/2014/main" id="{0E6A1090-C57D-E4A4-5AB7-E7FA45242469}"/>
+              </a:ext>
+            </a:extLst>
+          </p:cNvPr>
+          <p:cNvSpPr txBox="1">
             <a:spLocks noGrp="1"/>
           </p:cNvSpPr>
           <p:nvPr>
@@ -4847,26 +4652,22 @@
         </p:nvSpPr>
         <p:spPr>
           <a:xfrm>
-            <a:off x="838203" y="1825627"/>
-            <a:ext cx="4243936" cy="4351336"/>
+            <a:off x="1371600" y="2318196"/>
+            <a:ext cx="9400032" cy="3899724"/>
           </a:xfrm>
         </p:spPr>
         <p:txBody>
-          <a:bodyPr/>
+          <a:bodyPr anchor="ctr">
+            <a:normAutofit/>
+          </a:bodyPr>
           <a:lstStyle/>
           <a:p>
             <a:pPr marL="0" indent="0">
               <a:buNone/>
             </a:pPr>
             <a:r>
-              <a:rPr lang="it-IT" sz="2400" dirty="0"/>
+              <a:rPr lang="it-IT" sz="2000" dirty="0"/>
               <a:t>Parametri principali del modello:</a:t>
-            </a:r>
-          </a:p>
-          <a:p>
-            <a:r>
-              <a:rPr lang="it-IT" sz="2000" dirty="0"/>
-              <a:t>Tasso di arrivi;</a:t>
             </a:r>
           </a:p>
           <a:p>
@@ -4877,22 +4678,30 @@
           </a:p>
           <a:p>
             <a:r>
+              <a:rPr lang="it-IT" sz="2000" dirty="0"/>
+              <a:t>numero di job massimi per copia B (</a:t>
+            </a:r>
+            <a:r>
               <a:rPr lang="it-IT" sz="2000" dirty="0" err="1"/>
               <a:t>maxJobForCopy</a:t>
             </a:r>
             <a:r>
               <a:rPr lang="it-IT" sz="2000" dirty="0"/>
-              <a:t>, numero di job massimi per copia B;</a:t>
-            </a:r>
-          </a:p>
-          <a:p>
+              <a:t>);</a:t>
+            </a:r>
+          </a:p>
+          <a:p>
+            <a:r>
+              <a:rPr lang="it-IT" sz="2000" dirty="0"/>
+              <a:t>(verifica) numero massimo di copie B (</a:t>
+            </a:r>
             <a:r>
               <a:rPr lang="it-IT" sz="2000" dirty="0" err="1"/>
               <a:t>maxNumOfCopies</a:t>
             </a:r>
             <a:r>
               <a:rPr lang="it-IT" sz="2000" dirty="0"/>
-              <a:t> (verifica) , numero massimo di copie B.</a:t>
+              <a:t>).</a:t>
             </a:r>
           </a:p>
           <a:p>
@@ -4912,45 +4721,24 @@
               <a:t>.</a:t>
             </a:r>
           </a:p>
-        </p:txBody>
-      </p:sp>
-      <p:pic>
-        <p:nvPicPr>
-          <p:cNvPr id="13" name="Immagine 12" descr="Immagine che contiene testo, Carattere, numero, linea&#10;&#10;Il contenuto generato dall'IA potrebbe non essere corretto.">
-            <a:extLst>
-              <a:ext uri="{FF2B5EF4-FFF2-40B4-BE49-F238E27FC236}">
-                <a16:creationId xmlns:a16="http://schemas.microsoft.com/office/drawing/2014/main" id="{8159E597-18F2-7023-E513-93E87AE7E353}"/>
-              </a:ext>
-            </a:extLst>
-          </p:cNvPr>
-          <p:cNvPicPr>
-            <a:picLocks noChangeAspect="1"/>
-          </p:cNvPicPr>
-          <p:nvPr/>
-        </p:nvPicPr>
-        <p:blipFill>
-          <a:blip r:embed="rId2">
-            <a:extLst>
-              <a:ext uri="{28A0092B-C50C-407E-A947-70E740481C1C}">
-                <a14:useLocalDpi xmlns:a14="http://schemas.microsoft.com/office/drawing/2010/main" val="0"/>
-              </a:ext>
-            </a:extLst>
-          </a:blip>
-          <a:stretch>
-            <a:fillRect/>
-          </a:stretch>
-        </p:blipFill>
-        <p:spPr>
-          <a:xfrm>
-            <a:off x="5593387" y="3163939"/>
-            <a:ext cx="5760410" cy="1664119"/>
-          </a:xfrm>
-          <a:prstGeom prst="rect">
-            <a:avLst/>
-          </a:prstGeom>
-        </p:spPr>
-      </p:pic>
+          <a:p>
+            <a:pPr marL="0" indent="0">
+              <a:buNone/>
+            </a:pPr>
+            <a:endParaRPr lang="en-US" sz="1800" dirty="0">
+              <a:solidFill>
+                <a:schemeClr val="tx1"/>
+              </a:solidFill>
+            </a:endParaRPr>
+          </a:p>
+        </p:txBody>
+      </p:sp>
     </p:spTree>
+    <p:extLst>
+      <p:ext uri="{BB962C8B-B14F-4D97-AF65-F5344CB8AC3E}">
+        <p14:creationId xmlns:p14="http://schemas.microsoft.com/office/powerpoint/2010/main" val="2876838520"/>
+      </p:ext>
+    </p:extLst>
   </p:cSld>
   <p:clrMapOvr>
     <a:masterClrMapping/>
@@ -5438,15 +5226,15 @@
               <a:buNone/>
             </a:pPr>
             <a:r>
-              <a:rPr lang="it-IT" sz="1800" dirty="0"/>
+              <a:rPr lang="it-IT" sz="2000" dirty="0"/>
               <a:t>In ogni grafico sono riportati gli andamenti del tempo di risposta medio dei tre server e sistema complessivo per 9 </a:t>
             </a:r>
             <a:r>
-              <a:rPr lang="it-IT" sz="1800" dirty="0" err="1"/>
+              <a:rPr lang="it-IT" sz="2000" dirty="0" err="1"/>
               <a:t>run</a:t>
             </a:r>
             <a:r>
-              <a:rPr lang="it-IT" sz="1800" dirty="0"/>
+              <a:rPr lang="it-IT" sz="2000" dirty="0"/>
               <a:t> differenti.</a:t>
             </a:r>
           </a:p>
@@ -5455,7 +5243,7 @@
               <a:buNone/>
             </a:pPr>
             <a:r>
-              <a:rPr lang="it-IT" sz="1800" dirty="0"/>
+              <a:rPr lang="it-IT" sz="2000" dirty="0"/>
               <a:t>Finestra temporale di 48 ore.</a:t>
             </a:r>
           </a:p>
@@ -5464,7 +5252,7 @@
               <a:buNone/>
             </a:pPr>
             <a:r>
-              <a:rPr lang="it-IT" sz="1800" dirty="0"/>
+              <a:rPr lang="it-IT" sz="2000" dirty="0"/>
               <a:t>Per ogni grafico e ogni componente è riportata una retta nera tratteggiata che indica il valore del tempo di risposta medio ottenuto dal modello analitico associato.</a:t>
             </a:r>
           </a:p>
@@ -6592,10 +6380,10 @@
       </p:sp>
       <p:pic>
         <p:nvPicPr>
-          <p:cNvPr id="12" name="Segnaposto contenuto 11" descr="Immagine che contiene testo, diagramma, linea, Diagramma&#10;&#10;Il contenuto generato dall'IA potrebbe non essere corretto.">
-            <a:extLst>
-              <a:ext uri="{FF2B5EF4-FFF2-40B4-BE49-F238E27FC236}">
-                <a16:creationId xmlns:a16="http://schemas.microsoft.com/office/drawing/2014/main" id="{9D476DC8-92F0-E7F6-B685-C1513E771B1C}"/>
+          <p:cNvPr id="13" name="Segnaposto contenuto 12" descr="Immagine che contiene testo, diagramma, linea, Diagramma&#10;&#10;Il contenuto generato dall'IA potrebbe non essere corretto.">
+            <a:extLst>
+              <a:ext uri="{FF2B5EF4-FFF2-40B4-BE49-F238E27FC236}">
+                <a16:creationId xmlns:a16="http://schemas.microsoft.com/office/drawing/2014/main" id="{06C2F5CA-916C-56FD-6543-348D292B54F0}"/>
               </a:ext>
             </a:extLst>
           </p:cNvPr>
@@ -7698,15 +7486,15 @@
               <a:buNone/>
             </a:pPr>
             <a:r>
-              <a:rPr lang="it-IT" sz="1800" dirty="0"/>
+              <a:rPr lang="it-IT" sz="2000" dirty="0"/>
               <a:t>Poiché il sistema è sempre attivo e non possiede eventi che interrompono la sua attività, si è scelto </a:t>
             </a:r>
             <a:r>
-              <a:rPr lang="it-IT" sz="1800" b="1" dirty="0"/>
+              <a:rPr lang="it-IT" sz="2000" b="1" dirty="0"/>
               <a:t>Orizzonte Infinito </a:t>
             </a:r>
             <a:r>
-              <a:rPr lang="it-IT" sz="1800" dirty="0"/>
+              <a:rPr lang="it-IT" sz="2000" dirty="0"/>
               <a:t>per gli esperimenti.</a:t>
             </a:r>
           </a:p>
@@ -7715,16 +7503,16 @@
               <a:buNone/>
             </a:pPr>
             <a:r>
-              <a:rPr lang="it-IT" sz="1800" dirty="0"/>
+              <a:rPr lang="it-IT" sz="2000" dirty="0"/>
               <a:t>Dunque esperimenti eseguiti con metodo del </a:t>
             </a:r>
             <a:r>
-              <a:rPr lang="it-IT" sz="1800" b="1" dirty="0"/>
+              <a:rPr lang="it-IT" sz="2000" b="1" dirty="0"/>
               <a:t>Batch Means </a:t>
             </a:r>
             <a:r>
-              <a:rPr lang="it-IT" sz="1800" dirty="0"/>
-              <a:t>con parametri b = 4096 e k = 100.</a:t>
+              <a:rPr lang="it-IT" sz="2000" dirty="0"/>
+              <a:t>con parametri b = 4096 e k = 200.</a:t>
             </a:r>
           </a:p>
           <a:p>
@@ -7732,7 +7520,7 @@
               <a:buNone/>
             </a:pPr>
             <a:r>
-              <a:rPr lang="it-IT" sz="1800" dirty="0"/>
+              <a:rPr lang="it-IT" sz="2000" dirty="0"/>
               <a:t>Alla fine di ogni esperimenti si calcolano le medie delle metriche interessanti e intervallo di confidenza (livello confidenza 95%).</a:t>
             </a:r>
           </a:p>
@@ -22046,9 +21834,9 @@
 </p:sld>
 </file>
 
-<file path=ppt/slides/slide4.xml><?xml version="1.0" encoding="utf-8"?>
+<file path=ppt/slides/slide31.xml><?xml version="1.0" encoding="utf-8"?>
 <p:sld xmlns:a="http://schemas.openxmlformats.org/drawingml/2006/main" xmlns:r="http://schemas.openxmlformats.org/officeDocument/2006/relationships" xmlns:p="http://schemas.openxmlformats.org/presentationml/2006/main">
-  <p:cSld name="Slide10">
+  <p:cSld>
     <p:bg>
       <p:bgPr>
         <a:solidFill>
@@ -22059,7 +21847,13 @@
     </p:bg>
     <p:spTree>
       <p:nvGrpSpPr>
-        <p:cNvPr id="1" name=""/>
+        <p:cNvPr id="1" name="">
+          <a:extLst>
+            <a:ext uri="{FF2B5EF4-FFF2-40B4-BE49-F238E27FC236}">
+              <a16:creationId xmlns:a16="http://schemas.microsoft.com/office/drawing/2014/main" id="{E899F62A-3406-4BC8-D8B3-4BCF81E7DA57}"/>
+            </a:ext>
+          </a:extLst>
+        </p:cNvPr>
         <p:cNvGrpSpPr/>
         <p:nvPr/>
       </p:nvGrpSpPr>
@@ -22076,7 +21870,7 @@
           <p:cNvPr id="2" name="Rectangle 7">
             <a:extLst>
               <a:ext uri="{FF2B5EF4-FFF2-40B4-BE49-F238E27FC236}">
-                <a16:creationId xmlns:a16="http://schemas.microsoft.com/office/drawing/2014/main" id="{E71C0F71-2EBB-FDF0-FABE-0CF1670672E8}"/>
+                <a16:creationId xmlns:a16="http://schemas.microsoft.com/office/drawing/2014/main" id="{6014416F-04DB-8709-2848-9D482D4C6BF6}"/>
               </a:ext>
               <a:ext uri="{C183D7F6-B498-43B3-948B-1728B52AA6E4}">
                 <adec:decorative xmlns:adec="http://schemas.microsoft.com/office/drawing/2017/decorative" val="1"/>
@@ -22144,7 +21938,7 @@
           <p:cNvPr id="3" name="Rectangle 9">
             <a:extLst>
               <a:ext uri="{FF2B5EF4-FFF2-40B4-BE49-F238E27FC236}">
-                <a16:creationId xmlns:a16="http://schemas.microsoft.com/office/drawing/2014/main" id="{9C7AC68C-15A1-EE86-668C-C7C717F7A9E1}"/>
+                <a16:creationId xmlns:a16="http://schemas.microsoft.com/office/drawing/2014/main" id="{56051CA6-F8DD-EA86-4CE4-80362C66F784}"/>
               </a:ext>
               <a:ext uri="{C183D7F6-B498-43B3-948B-1728B52AA6E4}">
                 <adec:decorative xmlns:adec="http://schemas.microsoft.com/office/drawing/2017/decorative" val="1"/>
@@ -22220,7 +22014,7 @@
           <p:cNvPr id="4" name="Rectangle 11">
             <a:extLst>
               <a:ext uri="{FF2B5EF4-FFF2-40B4-BE49-F238E27FC236}">
-                <a16:creationId xmlns:a16="http://schemas.microsoft.com/office/drawing/2014/main" id="{0F827A5A-2FF8-0C3B-6CD8-B2E65E95765A}"/>
+                <a16:creationId xmlns:a16="http://schemas.microsoft.com/office/drawing/2014/main" id="{58DCDFE3-7976-BBAE-9479-88F0DD3943B9}"/>
               </a:ext>
               <a:ext uri="{C183D7F6-B498-43B3-948B-1728B52AA6E4}">
                 <adec:decorative xmlns:adec="http://schemas.microsoft.com/office/drawing/2017/decorative" val="1"/>
@@ -22300,7 +22094,7 @@
           <p:cNvPr id="5" name="Rectangle 13">
             <a:extLst>
               <a:ext uri="{FF2B5EF4-FFF2-40B4-BE49-F238E27FC236}">
-                <a16:creationId xmlns:a16="http://schemas.microsoft.com/office/drawing/2014/main" id="{48FB857C-E729-713B-351A-EFAA3761BA1F}"/>
+                <a16:creationId xmlns:a16="http://schemas.microsoft.com/office/drawing/2014/main" id="{FAAF9888-74D5-0BE4-44F2-E5F194624068}"/>
               </a:ext>
               <a:ext uri="{C183D7F6-B498-43B3-948B-1728B52AA6E4}">
                 <adec:decorative xmlns:adec="http://schemas.microsoft.com/office/drawing/2017/decorative" val="1"/>
@@ -22380,7 +22174,7 @@
           <p:cNvPr id="6" name="Rectangle 15">
             <a:extLst>
               <a:ext uri="{FF2B5EF4-FFF2-40B4-BE49-F238E27FC236}">
-                <a16:creationId xmlns:a16="http://schemas.microsoft.com/office/drawing/2014/main" id="{4742740B-A7EB-97A5-498B-0EABC15139F1}"/>
+                <a16:creationId xmlns:a16="http://schemas.microsoft.com/office/drawing/2014/main" id="{7DE2D5A5-293E-9B94-531D-98D2C8500A39}"/>
               </a:ext>
               <a:ext uri="{C183D7F6-B498-43B3-948B-1728B52AA6E4}">
                 <adec:decorative xmlns:adec="http://schemas.microsoft.com/office/drawing/2017/decorative" val="1"/>
@@ -22460,7 +22254,7 @@
           <p:cNvPr id="7" name="Titolo 1">
             <a:extLst>
               <a:ext uri="{FF2B5EF4-FFF2-40B4-BE49-F238E27FC236}">
-                <a16:creationId xmlns:a16="http://schemas.microsoft.com/office/drawing/2014/main" id="{9ED9BA6E-E680-4C3D-485F-15F04622A210}"/>
+                <a16:creationId xmlns:a16="http://schemas.microsoft.com/office/drawing/2014/main" id="{AFC9287C-3327-A7E2-266B-E362FB4CBDE7}"/>
               </a:ext>
             </a:extLst>
           </p:cNvPr>
@@ -22471,34 +22265,29 @@
             <p:ph type="title"/>
           </p:nvPr>
         </p:nvSpPr>
-        <p:spPr>
-          <a:xfrm>
-            <a:off x="1371600" y="294537"/>
-            <a:ext cx="9895947" cy="1033665"/>
-          </a:xfrm>
-        </p:spPr>
+        <p:spPr/>
         <p:txBody>
           <a:bodyPr/>
           <a:lstStyle/>
           <a:p>
             <a:pPr lvl="0"/>
             <a:r>
-              <a:rPr lang="it-IT" sz="4000">
+              <a:rPr lang="it-IT" sz="4000" dirty="0">
                 <a:solidFill>
                   <a:srgbClr val="FFFFFF"/>
                 </a:solidFill>
               </a:rPr>
-              <a:t>Descrizione Sistema</a:t>
-            </a:r>
-          </a:p>
-        </p:txBody>
-      </p:sp>
-      <p:sp>
-        <p:nvSpPr>
-          <p:cNvPr id="8" name="Segnaposto contenuto 2">
-            <a:extLst>
-              <a:ext uri="{FF2B5EF4-FFF2-40B4-BE49-F238E27FC236}">
-                <a16:creationId xmlns:a16="http://schemas.microsoft.com/office/drawing/2014/main" id="{B3E9D36B-2B9E-C94D-3E97-8EBB1CCEFFDF}"/>
+              <a:t>Conclusioni</a:t>
+            </a:r>
+          </a:p>
+        </p:txBody>
+      </p:sp>
+      <p:sp>
+        <p:nvSpPr>
+          <p:cNvPr id="10" name="Segnaposto contenuto 2">
+            <a:extLst>
+              <a:ext uri="{FF2B5EF4-FFF2-40B4-BE49-F238E27FC236}">
+                <a16:creationId xmlns:a16="http://schemas.microsoft.com/office/drawing/2014/main" id="{96A98DDC-7008-C739-B9B5-EF399F2036F7}"/>
               </a:ext>
             </a:extLst>
           </p:cNvPr>
@@ -22512,98 +22301,591 @@
         <p:spPr>
           <a:xfrm>
             <a:off x="1371600" y="2318196"/>
-            <a:ext cx="4908618" cy="3683358"/>
+            <a:ext cx="9400032" cy="3899724"/>
           </a:xfrm>
         </p:spPr>
         <p:txBody>
-          <a:bodyPr anchor="ctr"/>
+          <a:bodyPr anchor="ctr">
+            <a:normAutofit/>
+          </a:bodyPr>
           <a:lstStyle/>
           <a:p>
-            <a:pPr lvl="0"/>
-            <a:r>
-              <a:rPr lang="it-IT" sz="2000" dirty="0"/>
-              <a:t>Routing fisso </a:t>
-            </a:r>
-          </a:p>
-          <a:p>
-            <a:pPr lvl="0"/>
-            <a:r>
-              <a:rPr lang="it-IT" sz="2000" dirty="0"/>
-              <a:t>Incremento dei tempi medi di servizio server A e P in caso di F2A</a:t>
-            </a:r>
-          </a:p>
-          <a:p>
-            <a:pPr lvl="0"/>
-            <a:r>
-              <a:rPr lang="it-IT" sz="2000" dirty="0"/>
-              <a:t>Scaling orizzontale server B</a:t>
-            </a:r>
-          </a:p>
-          <a:p>
-            <a:pPr lvl="0"/>
-            <a:r>
-              <a:rPr lang="it-IT" sz="2000" dirty="0"/>
-              <a:t>Selezione copie B First </a:t>
-            </a:r>
-            <a:r>
-              <a:rPr lang="it-IT" sz="2000" dirty="0" err="1"/>
-              <a:t>Fit</a:t>
-            </a:r>
-            <a:endParaRPr lang="it-IT" sz="2000" dirty="0"/>
-          </a:p>
-          <a:p>
-            <a:pPr lvl="0"/>
-            <a:r>
-              <a:rPr lang="it-IT" sz="2000" dirty="0"/>
-              <a:t>No thinking time</a:t>
-            </a:r>
-          </a:p>
-          <a:p>
-            <a:pPr lvl="0"/>
-            <a:r>
-              <a:rPr lang="it-IT" sz="2000" dirty="0"/>
-              <a:t>No network delay</a:t>
-            </a:r>
-          </a:p>
-        </p:txBody>
-      </p:sp>
-      <p:pic>
-        <p:nvPicPr>
-          <p:cNvPr id="11" name="Immagine 10" descr="Immagine che contiene schizzo, diagramma, disegno, Disegno tecnico&#10;&#10;Il contenuto generato dall'IA potrebbe non essere corretto.">
-            <a:extLst>
-              <a:ext uri="{FF2B5EF4-FFF2-40B4-BE49-F238E27FC236}">
-                <a16:creationId xmlns:a16="http://schemas.microsoft.com/office/drawing/2014/main" id="{678D0163-83DF-BF03-BA5A-3FB4E66C5A80}"/>
-              </a:ext>
-            </a:extLst>
-          </p:cNvPr>
-          <p:cNvPicPr>
-            <a:picLocks noChangeAspect="1"/>
-          </p:cNvPicPr>
-          <p:nvPr/>
-        </p:nvPicPr>
-        <p:blipFill>
-          <a:blip r:embed="rId2">
-            <a:extLst>
-              <a:ext uri="{28A0092B-C50C-407E-A947-70E740481C1C}">
-                <a14:useLocalDpi xmlns:a14="http://schemas.microsoft.com/office/drawing/2010/main" val="0"/>
-              </a:ext>
-            </a:extLst>
-          </a:blip>
-          <a:stretch>
-            <a:fillRect/>
-          </a:stretch>
-        </p:blipFill>
-        <p:spPr>
-          <a:xfrm>
-            <a:off x="6280218" y="2364162"/>
-            <a:ext cx="5153744" cy="3591426"/>
-          </a:xfrm>
-          <a:prstGeom prst="rect">
-            <a:avLst/>
-          </a:prstGeom>
-        </p:spPr>
-      </p:pic>
+            <a:pPr marL="0" indent="0">
+              <a:buNone/>
+            </a:pPr>
+            <a:r>
+              <a:rPr lang="en-US" sz="2000" dirty="0">
+                <a:solidFill>
+                  <a:schemeClr val="tx1"/>
+                </a:solidFill>
+              </a:rPr>
+              <a:t>Lo scaling </a:t>
+            </a:r>
+            <a:r>
+              <a:rPr lang="en-US" sz="2000" dirty="0" err="1">
+                <a:solidFill>
+                  <a:schemeClr val="tx1"/>
+                </a:solidFill>
+              </a:rPr>
+              <a:t>orizzontale</a:t>
+            </a:r>
+            <a:r>
+              <a:rPr lang="en-US" sz="2000" dirty="0">
+                <a:solidFill>
+                  <a:schemeClr val="tx1"/>
+                </a:solidFill>
+              </a:rPr>
+              <a:t> è un buon </a:t>
+            </a:r>
+            <a:r>
+              <a:rPr lang="en-US" sz="2000" dirty="0" err="1">
+                <a:solidFill>
+                  <a:schemeClr val="tx1"/>
+                </a:solidFill>
+              </a:rPr>
+              <a:t>metodo</a:t>
+            </a:r>
+            <a:r>
+              <a:rPr lang="en-US" sz="2000" dirty="0">
+                <a:solidFill>
+                  <a:schemeClr val="tx1"/>
+                </a:solidFill>
+              </a:rPr>
+              <a:t> per </a:t>
+            </a:r>
+            <a:r>
+              <a:rPr lang="en-US" sz="2000" dirty="0" err="1">
+                <a:solidFill>
+                  <a:schemeClr val="tx1"/>
+                </a:solidFill>
+              </a:rPr>
+              <a:t>migliorare</a:t>
+            </a:r>
+            <a:r>
+              <a:rPr lang="en-US" sz="2000" dirty="0">
+                <a:solidFill>
+                  <a:schemeClr val="tx1"/>
+                </a:solidFill>
+              </a:rPr>
+              <a:t> le </a:t>
+            </a:r>
+            <a:r>
+              <a:rPr lang="en-US" sz="2000" dirty="0" err="1">
+                <a:solidFill>
+                  <a:schemeClr val="tx1"/>
+                </a:solidFill>
+              </a:rPr>
+              <a:t>prestazioni</a:t>
+            </a:r>
+            <a:r>
+              <a:rPr lang="en-US" sz="2000" dirty="0">
+                <a:solidFill>
+                  <a:schemeClr val="tx1"/>
+                </a:solidFill>
+              </a:rPr>
+              <a:t> del server B e del </a:t>
+            </a:r>
+            <a:r>
+              <a:rPr lang="en-US" sz="2000" dirty="0" err="1">
+                <a:solidFill>
+                  <a:schemeClr val="tx1"/>
+                </a:solidFill>
+              </a:rPr>
+              <a:t>sistema</a:t>
+            </a:r>
+            <a:r>
+              <a:rPr lang="en-US" sz="2000" dirty="0">
+                <a:solidFill>
+                  <a:schemeClr val="tx1"/>
+                </a:solidFill>
+              </a:rPr>
+              <a:t> </a:t>
+            </a:r>
+            <a:r>
+              <a:rPr lang="en-US" sz="2000" dirty="0" err="1">
+                <a:solidFill>
+                  <a:schemeClr val="tx1"/>
+                </a:solidFill>
+              </a:rPr>
+              <a:t>complessivo</a:t>
+            </a:r>
+            <a:r>
+              <a:rPr lang="en-US" sz="2000" dirty="0">
+                <a:solidFill>
+                  <a:schemeClr val="tx1"/>
+                </a:solidFill>
+              </a:rPr>
+              <a:t>.</a:t>
+            </a:r>
+          </a:p>
+          <a:p>
+            <a:pPr marL="0" indent="0">
+              <a:buNone/>
+            </a:pPr>
+            <a:r>
+              <a:rPr lang="en-US" sz="2000" dirty="0">
+                <a:solidFill>
+                  <a:schemeClr val="tx1"/>
+                </a:solidFill>
+              </a:rPr>
+              <a:t> </a:t>
+            </a:r>
+            <a:r>
+              <a:rPr lang="en-US" sz="2000" dirty="0" err="1">
+                <a:solidFill>
+                  <a:schemeClr val="tx1"/>
+                </a:solidFill>
+              </a:rPr>
+              <a:t>L’obiettivo</a:t>
+            </a:r>
+            <a:r>
+              <a:rPr lang="en-US" sz="2000" dirty="0">
+                <a:solidFill>
+                  <a:schemeClr val="tx1"/>
+                </a:solidFill>
+              </a:rPr>
+              <a:t> </a:t>
+            </a:r>
+            <a:r>
+              <a:rPr lang="en-US" sz="2000" dirty="0" err="1">
+                <a:solidFill>
+                  <a:schemeClr val="tx1"/>
+                </a:solidFill>
+              </a:rPr>
+              <a:t>posto</a:t>
+            </a:r>
+            <a:r>
+              <a:rPr lang="en-US" sz="2000" dirty="0">
+                <a:solidFill>
+                  <a:schemeClr val="tx1"/>
+                </a:solidFill>
+              </a:rPr>
+              <a:t> per il </a:t>
+            </a:r>
+            <a:r>
+              <a:rPr lang="en-US" sz="2000" dirty="0" err="1">
+                <a:solidFill>
+                  <a:schemeClr val="tx1"/>
+                </a:solidFill>
+              </a:rPr>
+              <a:t>caso</a:t>
+            </a:r>
+            <a:r>
+              <a:rPr lang="en-US" sz="2000" dirty="0">
+                <a:solidFill>
+                  <a:schemeClr val="tx1"/>
+                </a:solidFill>
+              </a:rPr>
+              <a:t> di </a:t>
+            </a:r>
+            <a:r>
+              <a:rPr lang="en-US" sz="2000" dirty="0" err="1">
+                <a:solidFill>
+                  <a:schemeClr val="tx1"/>
+                </a:solidFill>
+              </a:rPr>
+              <a:t>studi</a:t>
+            </a:r>
+            <a:r>
+              <a:rPr lang="en-US" sz="2000" dirty="0">
+                <a:solidFill>
+                  <a:schemeClr val="tx1"/>
+                </a:solidFill>
+              </a:rPr>
+              <a:t>, </a:t>
+            </a:r>
+            <a:r>
+              <a:rPr lang="en-US" sz="2000" dirty="0" err="1">
+                <a:solidFill>
+                  <a:schemeClr val="tx1"/>
+                </a:solidFill>
+              </a:rPr>
+              <a:t>però</a:t>
+            </a:r>
+            <a:r>
+              <a:rPr lang="en-US" sz="2000" dirty="0">
+                <a:solidFill>
+                  <a:schemeClr val="tx1"/>
+                </a:solidFill>
+              </a:rPr>
+              <a:t>, non pone </a:t>
+            </a:r>
+            <a:r>
+              <a:rPr lang="en-US" sz="2000" dirty="0" err="1">
+                <a:solidFill>
+                  <a:schemeClr val="tx1"/>
+                </a:solidFill>
+              </a:rPr>
+              <a:t>altri</a:t>
+            </a:r>
+            <a:r>
+              <a:rPr lang="en-US" sz="2000" dirty="0">
+                <a:solidFill>
+                  <a:schemeClr val="tx1"/>
+                </a:solidFill>
+              </a:rPr>
+              <a:t> </a:t>
+            </a:r>
+            <a:r>
+              <a:rPr lang="en-US" sz="2000" dirty="0" err="1">
+                <a:solidFill>
+                  <a:schemeClr val="tx1"/>
+                </a:solidFill>
+              </a:rPr>
+              <a:t>vincoli</a:t>
+            </a:r>
+            <a:r>
+              <a:rPr lang="en-US" sz="2000" dirty="0">
+                <a:solidFill>
+                  <a:schemeClr val="tx1"/>
+                </a:solidFill>
+              </a:rPr>
+              <a:t> </a:t>
+            </a:r>
+            <a:r>
+              <a:rPr lang="en-US" sz="2000" dirty="0" err="1">
+                <a:solidFill>
+                  <a:schemeClr val="tx1"/>
+                </a:solidFill>
+              </a:rPr>
+              <a:t>sulla</a:t>
+            </a:r>
+            <a:r>
+              <a:rPr lang="en-US" sz="2000" dirty="0">
+                <a:solidFill>
+                  <a:schemeClr val="tx1"/>
+                </a:solidFill>
+              </a:rPr>
+              <a:t> </a:t>
+            </a:r>
+            <a:r>
+              <a:rPr lang="en-US" sz="2000" dirty="0" err="1">
+                <a:solidFill>
+                  <a:schemeClr val="tx1"/>
+                </a:solidFill>
+              </a:rPr>
+              <a:t>replicazione</a:t>
+            </a:r>
+            <a:r>
+              <a:rPr lang="en-US" sz="2000" dirty="0">
+                <a:solidFill>
+                  <a:schemeClr val="tx1"/>
+                </a:solidFill>
+              </a:rPr>
+              <a:t> del server B e </a:t>
+            </a:r>
+            <a:r>
+              <a:rPr lang="en-US" sz="2000" dirty="0" err="1">
+                <a:solidFill>
+                  <a:schemeClr val="tx1"/>
+                </a:solidFill>
+              </a:rPr>
+              <a:t>dunque</a:t>
+            </a:r>
+            <a:r>
+              <a:rPr lang="en-US" sz="2000" dirty="0">
+                <a:solidFill>
+                  <a:schemeClr val="tx1"/>
+                </a:solidFill>
+              </a:rPr>
+              <a:t> non è </a:t>
+            </a:r>
+            <a:r>
+              <a:rPr lang="en-US" sz="2000" dirty="0" err="1">
+                <a:solidFill>
+                  <a:schemeClr val="tx1"/>
+                </a:solidFill>
+              </a:rPr>
+              <a:t>possibile</a:t>
+            </a:r>
+            <a:r>
+              <a:rPr lang="en-US" sz="2000" dirty="0">
+                <a:solidFill>
+                  <a:schemeClr val="tx1"/>
+                </a:solidFill>
+              </a:rPr>
+              <a:t> </a:t>
+            </a:r>
+            <a:r>
+              <a:rPr lang="en-US" sz="2000" dirty="0" err="1">
+                <a:solidFill>
+                  <a:schemeClr val="tx1"/>
+                </a:solidFill>
+              </a:rPr>
+              <a:t>individuare</a:t>
+            </a:r>
+            <a:r>
+              <a:rPr lang="en-US" sz="2000" dirty="0">
+                <a:solidFill>
+                  <a:schemeClr val="tx1"/>
+                </a:solidFill>
+              </a:rPr>
+              <a:t> </a:t>
+            </a:r>
+            <a:r>
+              <a:rPr lang="en-US" sz="2000" dirty="0" err="1">
+                <a:solidFill>
+                  <a:schemeClr val="tx1"/>
+                </a:solidFill>
+              </a:rPr>
+              <a:t>dei</a:t>
+            </a:r>
+            <a:r>
+              <a:rPr lang="en-US" sz="2000" dirty="0">
+                <a:solidFill>
+                  <a:schemeClr val="tx1"/>
+                </a:solidFill>
+              </a:rPr>
+              <a:t> </a:t>
+            </a:r>
+            <a:r>
+              <a:rPr lang="en-US" sz="2000" dirty="0" err="1">
+                <a:solidFill>
+                  <a:schemeClr val="tx1"/>
+                </a:solidFill>
+              </a:rPr>
+              <a:t>parametri</a:t>
+            </a:r>
+            <a:r>
+              <a:rPr lang="en-US" sz="2000" dirty="0">
+                <a:solidFill>
+                  <a:schemeClr val="tx1"/>
+                </a:solidFill>
+              </a:rPr>
+              <a:t> </a:t>
+            </a:r>
+            <a:r>
+              <a:rPr lang="en-US" sz="2000" dirty="0" err="1">
+                <a:solidFill>
+                  <a:schemeClr val="tx1"/>
+                </a:solidFill>
+              </a:rPr>
+              <a:t>ottimali</a:t>
+            </a:r>
+            <a:r>
+              <a:rPr lang="en-US" sz="2000" dirty="0">
+                <a:solidFill>
+                  <a:schemeClr val="tx1"/>
+                </a:solidFill>
+              </a:rPr>
+              <a:t> per lo scaling </a:t>
+            </a:r>
+            <a:r>
+              <a:rPr lang="en-US" sz="2000" dirty="0" err="1">
+                <a:solidFill>
+                  <a:schemeClr val="tx1"/>
+                </a:solidFill>
+              </a:rPr>
+              <a:t>orizzontale</a:t>
+            </a:r>
+            <a:r>
+              <a:rPr lang="en-US" sz="2000" dirty="0">
+                <a:solidFill>
+                  <a:schemeClr val="tx1"/>
+                </a:solidFill>
+              </a:rPr>
+              <a:t>.</a:t>
+            </a:r>
+          </a:p>
+          <a:p>
+            <a:pPr marL="0" indent="0">
+              <a:buNone/>
+            </a:pPr>
+            <a:endParaRPr lang="en-US" sz="2000" dirty="0">
+              <a:solidFill>
+                <a:schemeClr val="tx1"/>
+              </a:solidFill>
+            </a:endParaRPr>
+          </a:p>
+          <a:p>
+            <a:pPr marL="0" indent="0">
+              <a:buNone/>
+            </a:pPr>
+            <a:r>
+              <a:rPr lang="en-US" sz="2000" dirty="0" err="1">
+                <a:solidFill>
+                  <a:schemeClr val="tx1"/>
+                </a:solidFill>
+              </a:rPr>
+              <a:t>Possibili</a:t>
+            </a:r>
+            <a:r>
+              <a:rPr lang="en-US" sz="2000" dirty="0">
+                <a:solidFill>
+                  <a:schemeClr val="tx1"/>
+                </a:solidFill>
+              </a:rPr>
+              <a:t> </a:t>
+            </a:r>
+            <a:r>
+              <a:rPr lang="en-US" sz="2000" dirty="0" err="1">
+                <a:solidFill>
+                  <a:schemeClr val="tx1"/>
+                </a:solidFill>
+              </a:rPr>
+              <a:t>estensioni</a:t>
+            </a:r>
+            <a:r>
+              <a:rPr lang="en-US" sz="2000" dirty="0">
+                <a:solidFill>
+                  <a:schemeClr val="tx1"/>
+                </a:solidFill>
+              </a:rPr>
+              <a:t> del </a:t>
+            </a:r>
+            <a:r>
+              <a:rPr lang="en-US" sz="2000" dirty="0" err="1">
+                <a:solidFill>
+                  <a:schemeClr val="tx1"/>
+                </a:solidFill>
+              </a:rPr>
+              <a:t>caso</a:t>
+            </a:r>
+            <a:r>
+              <a:rPr lang="en-US" sz="2000" dirty="0">
+                <a:solidFill>
+                  <a:schemeClr val="tx1"/>
+                </a:solidFill>
+              </a:rPr>
+              <a:t> di </a:t>
+            </a:r>
+            <a:r>
+              <a:rPr lang="en-US" sz="2000" dirty="0" err="1">
+                <a:solidFill>
+                  <a:schemeClr val="tx1"/>
+                </a:solidFill>
+              </a:rPr>
+              <a:t>studi</a:t>
+            </a:r>
+            <a:r>
+              <a:rPr lang="en-US" sz="2000" dirty="0">
+                <a:solidFill>
+                  <a:schemeClr val="tx1"/>
+                </a:solidFill>
+              </a:rPr>
+              <a:t> </a:t>
+            </a:r>
+            <a:r>
+              <a:rPr lang="en-US" sz="2000" dirty="0" err="1">
+                <a:solidFill>
+                  <a:schemeClr val="tx1"/>
+                </a:solidFill>
+              </a:rPr>
+              <a:t>possono</a:t>
+            </a:r>
+            <a:r>
+              <a:rPr lang="en-US" sz="2000" dirty="0">
+                <a:solidFill>
+                  <a:schemeClr val="tx1"/>
+                </a:solidFill>
+              </a:rPr>
+              <a:t> ricercare </a:t>
+            </a:r>
+            <a:r>
+              <a:rPr lang="en-US" sz="2000" dirty="0" err="1">
+                <a:solidFill>
+                  <a:schemeClr val="tx1"/>
+                </a:solidFill>
+              </a:rPr>
+              <a:t>parametri</a:t>
+            </a:r>
+            <a:r>
+              <a:rPr lang="en-US" sz="2000" dirty="0">
+                <a:solidFill>
+                  <a:schemeClr val="tx1"/>
+                </a:solidFill>
+              </a:rPr>
+              <a:t> </a:t>
+            </a:r>
+            <a:r>
+              <a:rPr lang="en-US" sz="2000" dirty="0" err="1">
+                <a:solidFill>
+                  <a:schemeClr val="tx1"/>
+                </a:solidFill>
+              </a:rPr>
+              <a:t>ottimali</a:t>
+            </a:r>
+            <a:r>
+              <a:rPr lang="en-US" sz="2000" dirty="0">
+                <a:solidFill>
+                  <a:schemeClr val="tx1"/>
+                </a:solidFill>
+              </a:rPr>
+              <a:t> </a:t>
+            </a:r>
+            <a:r>
+              <a:rPr lang="en-US" sz="2000" dirty="0" err="1">
+                <a:solidFill>
+                  <a:schemeClr val="tx1"/>
+                </a:solidFill>
+              </a:rPr>
+              <a:t>considerando</a:t>
+            </a:r>
+            <a:r>
+              <a:rPr lang="en-US" sz="2000" dirty="0">
+                <a:solidFill>
+                  <a:schemeClr val="tx1"/>
+                </a:solidFill>
+              </a:rPr>
+              <a:t> </a:t>
+            </a:r>
+            <a:r>
+              <a:rPr lang="en-US" sz="2000" dirty="0" err="1">
+                <a:solidFill>
+                  <a:schemeClr val="tx1"/>
+                </a:solidFill>
+              </a:rPr>
+              <a:t>altri</a:t>
+            </a:r>
+            <a:r>
+              <a:rPr lang="en-US" sz="2000" dirty="0">
+                <a:solidFill>
+                  <a:schemeClr val="tx1"/>
+                </a:solidFill>
+              </a:rPr>
+              <a:t> </a:t>
+            </a:r>
+            <a:r>
+              <a:rPr lang="en-US" sz="2000" dirty="0" err="1">
+                <a:solidFill>
+                  <a:schemeClr val="tx1"/>
+                </a:solidFill>
+              </a:rPr>
+              <a:t>vincoli</a:t>
+            </a:r>
+            <a:r>
+              <a:rPr lang="en-US" sz="2000" dirty="0">
+                <a:solidFill>
+                  <a:schemeClr val="tx1"/>
+                </a:solidFill>
+              </a:rPr>
+              <a:t> </a:t>
+            </a:r>
+            <a:r>
+              <a:rPr lang="en-US" sz="2000" dirty="0" err="1">
+                <a:solidFill>
+                  <a:schemeClr val="tx1"/>
+                </a:solidFill>
+              </a:rPr>
+              <a:t>sul</a:t>
+            </a:r>
+            <a:r>
+              <a:rPr lang="en-US" sz="2000" dirty="0">
+                <a:solidFill>
+                  <a:schemeClr val="tx1"/>
+                </a:solidFill>
+              </a:rPr>
+              <a:t> server B.</a:t>
+            </a:r>
+          </a:p>
+        </p:txBody>
+      </p:sp>
     </p:spTree>
+    <p:extLst>
+      <p:ext uri="{BB962C8B-B14F-4D97-AF65-F5344CB8AC3E}">
+        <p14:creationId xmlns:p14="http://schemas.microsoft.com/office/powerpoint/2010/main" val="188887561"/>
+      </p:ext>
+    </p:extLst>
   </p:cSld>
   <p:clrMapOvr>
     <a:masterClrMapping/>
@@ -22611,7 +22893,7 @@
 </p:sld>
 </file>
 
-<file path=ppt/slides/slide5.xml><?xml version="1.0" encoding="utf-8"?>
+<file path=ppt/slides/slide4.xml><?xml version="1.0" encoding="utf-8"?>
 <p:sld xmlns:a="http://schemas.openxmlformats.org/drawingml/2006/main" xmlns:r="http://schemas.openxmlformats.org/officeDocument/2006/relationships" xmlns:p="http://schemas.openxmlformats.org/presentationml/2006/main">
   <p:cSld>
     <p:bg>
@@ -23237,6 +23519,612 @@
     <p:extLst>
       <p:ext uri="{BB962C8B-B14F-4D97-AF65-F5344CB8AC3E}">
         <p14:creationId xmlns:p14="http://schemas.microsoft.com/office/powerpoint/2010/main" val="191865890"/>
+      </p:ext>
+    </p:extLst>
+  </p:cSld>
+  <p:clrMapOvr>
+    <a:masterClrMapping/>
+  </p:clrMapOvr>
+</p:sld>
+</file>
+
+<file path=ppt/slides/slide5.xml><?xml version="1.0" encoding="utf-8"?>
+<p:sld xmlns:a="http://schemas.openxmlformats.org/drawingml/2006/main" xmlns:r="http://schemas.openxmlformats.org/officeDocument/2006/relationships" xmlns:p="http://schemas.openxmlformats.org/presentationml/2006/main">
+  <p:cSld>
+    <p:bg>
+      <p:bgPr>
+        <a:solidFill>
+          <a:srgbClr val="FFFFFF"/>
+        </a:solidFill>
+        <a:effectLst/>
+      </p:bgPr>
+    </p:bg>
+    <p:spTree>
+      <p:nvGrpSpPr>
+        <p:cNvPr id="1" name="">
+          <a:extLst>
+            <a:ext uri="{FF2B5EF4-FFF2-40B4-BE49-F238E27FC236}">
+              <a16:creationId xmlns:a16="http://schemas.microsoft.com/office/drawing/2014/main" id="{60F0C2C4-B14E-63D5-CDA7-C96D5B334117}"/>
+            </a:ext>
+          </a:extLst>
+        </p:cNvPr>
+        <p:cNvGrpSpPr/>
+        <p:nvPr/>
+      </p:nvGrpSpPr>
+      <p:grpSpPr>
+        <a:xfrm>
+          <a:off x="0" y="0"/>
+          <a:ext cx="0" cy="0"/>
+          <a:chOff x="0" y="0"/>
+          <a:chExt cx="0" cy="0"/>
+        </a:xfrm>
+      </p:grpSpPr>
+      <p:sp>
+        <p:nvSpPr>
+          <p:cNvPr id="2" name="Rectangle 7">
+            <a:extLst>
+              <a:ext uri="{FF2B5EF4-FFF2-40B4-BE49-F238E27FC236}">
+                <a16:creationId xmlns:a16="http://schemas.microsoft.com/office/drawing/2014/main" id="{D6E3ED18-22C5-B690-19AB-83960F7AE6A0}"/>
+              </a:ext>
+              <a:ext uri="{C183D7F6-B498-43B3-948B-1728B52AA6E4}">
+                <adec:decorative xmlns:adec="http://schemas.microsoft.com/office/drawing/2017/decorative" val="1"/>
+              </a:ext>
+            </a:extLst>
+          </p:cNvPr>
+          <p:cNvSpPr>
+            <a:spLocks noMove="1" noResize="1"/>
+          </p:cNvSpPr>
+          <p:nvPr/>
+        </p:nvSpPr>
+        <p:spPr>
+          <a:xfrm>
+            <a:off x="0" y="0"/>
+            <a:ext cx="12191996" cy="6858000"/>
+          </a:xfrm>
+          <a:prstGeom prst="rect">
+            <a:avLst/>
+          </a:prstGeom>
+          <a:solidFill>
+            <a:srgbClr val="FFFFFF"/>
+          </a:solidFill>
+          <a:ln cap="flat">
+            <a:noFill/>
+            <a:prstDash val="solid"/>
+          </a:ln>
+        </p:spPr>
+        <p:txBody>
+          <a:bodyPr vert="horz" wrap="square" lIns="91440" tIns="45720" rIns="91440" bIns="45720" anchor="ctr" anchorCtr="1" compatLnSpc="1">
+            <a:noAutofit/>
+          </a:bodyPr>
+          <a:lstStyle/>
+          <a:p>
+            <a:pPr marL="0" marR="0" lvl="0" indent="0" algn="ctr" defTabSz="914400" rtl="0" fontAlgn="auto" hangingPunct="1">
+              <a:lnSpc>
+                <a:spcPct val="100000"/>
+              </a:lnSpc>
+              <a:spcBef>
+                <a:spcPts val="0"/>
+              </a:spcBef>
+              <a:spcAft>
+                <a:spcPts val="0"/>
+              </a:spcAft>
+              <a:buNone/>
+              <a:tabLst/>
+              <a:defRPr sz="1800" b="0" i="0" u="none" strike="noStrike" kern="0" cap="none" spc="0" baseline="0">
+                <a:solidFill>
+                  <a:srgbClr val="000000"/>
+                </a:solidFill>
+                <a:uFillTx/>
+              </a:defRPr>
+            </a:pPr>
+            <a:endParaRPr lang="en-US" sz="1800" b="0" i="0" u="sng" strike="noStrike" kern="1200" cap="none" spc="0" baseline="0" dirty="0">
+              <a:solidFill>
+                <a:srgbClr val="FFFFFF"/>
+              </a:solidFill>
+              <a:uFillTx/>
+              <a:latin typeface="Aptos"/>
+            </a:endParaRPr>
+          </a:p>
+        </p:txBody>
+      </p:sp>
+      <p:sp>
+        <p:nvSpPr>
+          <p:cNvPr id="3" name="Rectangle 9">
+            <a:extLst>
+              <a:ext uri="{FF2B5EF4-FFF2-40B4-BE49-F238E27FC236}">
+                <a16:creationId xmlns:a16="http://schemas.microsoft.com/office/drawing/2014/main" id="{5FBA3DED-B5D1-0A90-485B-B5C24F254113}"/>
+              </a:ext>
+              <a:ext uri="{C183D7F6-B498-43B3-948B-1728B52AA6E4}">
+                <adec:decorative xmlns:adec="http://schemas.microsoft.com/office/drawing/2017/decorative" val="1"/>
+              </a:ext>
+            </a:extLst>
+          </p:cNvPr>
+          <p:cNvSpPr>
+            <a:spLocks noMove="1" noResize="1"/>
+          </p:cNvSpPr>
+          <p:nvPr/>
+        </p:nvSpPr>
+        <p:spPr>
+          <a:xfrm flipH="1">
+            <a:off x="0" y="0"/>
+            <a:ext cx="12191996" cy="1590745"/>
+          </a:xfrm>
+          <a:prstGeom prst="rect">
+            <a:avLst/>
+          </a:prstGeom>
+          <a:gradFill>
+            <a:gsLst>
+              <a:gs pos="0">
+                <a:srgbClr val="000000"/>
+              </a:gs>
+              <a:gs pos="100000">
+                <a:srgbClr val="104862"/>
+              </a:gs>
+            </a:gsLst>
+            <a:lin ang="8400000"/>
+          </a:gradFill>
+          <a:ln cap="flat">
+            <a:noFill/>
+            <a:prstDash val="solid"/>
+          </a:ln>
+        </p:spPr>
+        <p:txBody>
+          <a:bodyPr vert="horz" wrap="square" lIns="91440" tIns="45720" rIns="91440" bIns="45720" anchor="ctr" anchorCtr="1" compatLnSpc="1">
+            <a:noAutofit/>
+          </a:bodyPr>
+          <a:lstStyle/>
+          <a:p>
+            <a:pPr marL="0" marR="0" lvl="0" indent="0" algn="ctr" defTabSz="914400" rtl="0" fontAlgn="auto" hangingPunct="1">
+              <a:lnSpc>
+                <a:spcPct val="100000"/>
+              </a:lnSpc>
+              <a:spcBef>
+                <a:spcPts val="0"/>
+              </a:spcBef>
+              <a:spcAft>
+                <a:spcPts val="0"/>
+              </a:spcAft>
+              <a:buNone/>
+              <a:tabLst/>
+              <a:defRPr sz="1800" b="0" i="0" u="none" strike="noStrike" kern="0" cap="none" spc="0" baseline="0">
+                <a:solidFill>
+                  <a:srgbClr val="000000"/>
+                </a:solidFill>
+                <a:uFillTx/>
+              </a:defRPr>
+            </a:pPr>
+            <a:endParaRPr lang="en-US" sz="1800" b="0" i="0" u="none" strike="noStrike" kern="1200" cap="none" spc="0" baseline="0">
+              <a:solidFill>
+                <a:srgbClr val="FFFFFF"/>
+              </a:solidFill>
+              <a:uFillTx/>
+              <a:latin typeface="Aptos"/>
+            </a:endParaRPr>
+          </a:p>
+        </p:txBody>
+      </p:sp>
+      <p:sp>
+        <p:nvSpPr>
+          <p:cNvPr id="4" name="Rectangle 11">
+            <a:extLst>
+              <a:ext uri="{FF2B5EF4-FFF2-40B4-BE49-F238E27FC236}">
+                <a16:creationId xmlns:a16="http://schemas.microsoft.com/office/drawing/2014/main" id="{BB2AA0DB-6DB7-34C6-0EDE-3E7FF2194F8C}"/>
+              </a:ext>
+              <a:ext uri="{C183D7F6-B498-43B3-948B-1728B52AA6E4}">
+                <adec:decorative xmlns:adec="http://schemas.microsoft.com/office/drawing/2017/decorative" val="1"/>
+              </a:ext>
+            </a:extLst>
+          </p:cNvPr>
+          <p:cNvSpPr>
+            <a:spLocks noMove="1" noResize="1"/>
+          </p:cNvSpPr>
+          <p:nvPr/>
+        </p:nvSpPr>
+        <p:spPr>
+          <a:xfrm rot="10800009" flipH="1">
+            <a:off x="-9" y="-1"/>
+            <a:ext cx="8115309" cy="1590745"/>
+          </a:xfrm>
+          <a:prstGeom prst="rect">
+            <a:avLst/>
+          </a:prstGeom>
+          <a:gradFill>
+            <a:gsLst>
+              <a:gs pos="0">
+                <a:srgbClr val="156082">
+                  <a:alpha val="0"/>
+                </a:srgbClr>
+              </a:gs>
+              <a:gs pos="100000">
+                <a:srgbClr val="0B3041">
+                  <a:alpha val="55000"/>
+                </a:srgbClr>
+              </a:gs>
+            </a:gsLst>
+            <a:lin ang="13800000"/>
+          </a:gradFill>
+          <a:ln cap="flat">
+            <a:noFill/>
+            <a:prstDash val="solid"/>
+          </a:ln>
+        </p:spPr>
+        <p:txBody>
+          <a:bodyPr vert="horz" wrap="square" lIns="91440" tIns="45720" rIns="91440" bIns="45720" anchor="ctr" anchorCtr="1" compatLnSpc="1">
+            <a:noAutofit/>
+          </a:bodyPr>
+          <a:lstStyle/>
+          <a:p>
+            <a:pPr marL="0" marR="0" lvl="0" indent="0" algn="ctr" defTabSz="914400" rtl="0" fontAlgn="auto" hangingPunct="1">
+              <a:lnSpc>
+                <a:spcPct val="100000"/>
+              </a:lnSpc>
+              <a:spcBef>
+                <a:spcPts val="0"/>
+              </a:spcBef>
+              <a:spcAft>
+                <a:spcPts val="0"/>
+              </a:spcAft>
+              <a:buNone/>
+              <a:tabLst/>
+              <a:defRPr sz="1800" b="0" i="0" u="none" strike="noStrike" kern="0" cap="none" spc="0" baseline="0">
+                <a:solidFill>
+                  <a:srgbClr val="000000"/>
+                </a:solidFill>
+                <a:uFillTx/>
+              </a:defRPr>
+            </a:pPr>
+            <a:endParaRPr lang="en-US" sz="1800" b="0" i="0" u="none" strike="noStrike" kern="1200" cap="none" spc="0" baseline="0">
+              <a:solidFill>
+                <a:srgbClr val="FFFFFF"/>
+              </a:solidFill>
+              <a:uFillTx/>
+              <a:latin typeface="Aptos"/>
+            </a:endParaRPr>
+          </a:p>
+        </p:txBody>
+      </p:sp>
+      <p:sp>
+        <p:nvSpPr>
+          <p:cNvPr id="5" name="Rectangle 13">
+            <a:extLst>
+              <a:ext uri="{FF2B5EF4-FFF2-40B4-BE49-F238E27FC236}">
+                <a16:creationId xmlns:a16="http://schemas.microsoft.com/office/drawing/2014/main" id="{717C5388-3373-3330-30BB-063780315BCE}"/>
+              </a:ext>
+              <a:ext uri="{C183D7F6-B498-43B3-948B-1728B52AA6E4}">
+                <adec:decorative xmlns:adec="http://schemas.microsoft.com/office/drawing/2017/decorative" val="1"/>
+              </a:ext>
+            </a:extLst>
+          </p:cNvPr>
+          <p:cNvSpPr>
+            <a:spLocks noMove="1" noResize="1"/>
+          </p:cNvSpPr>
+          <p:nvPr/>
+        </p:nvSpPr>
+        <p:spPr>
+          <a:xfrm flipH="1">
+            <a:off x="8115300" y="0"/>
+            <a:ext cx="4076696" cy="1590745"/>
+          </a:xfrm>
+          <a:prstGeom prst="rect">
+            <a:avLst/>
+          </a:prstGeom>
+          <a:gradFill>
+            <a:gsLst>
+              <a:gs pos="0">
+                <a:srgbClr val="156082">
+                  <a:alpha val="66000"/>
+                </a:srgbClr>
+              </a:gs>
+              <a:gs pos="100000">
+                <a:srgbClr val="000000">
+                  <a:alpha val="30000"/>
+                </a:srgbClr>
+              </a:gs>
+            </a:gsLst>
+            <a:lin ang="13200000"/>
+          </a:gradFill>
+          <a:ln cap="flat">
+            <a:noFill/>
+            <a:prstDash val="solid"/>
+          </a:ln>
+        </p:spPr>
+        <p:txBody>
+          <a:bodyPr vert="horz" wrap="square" lIns="91440" tIns="45720" rIns="91440" bIns="45720" anchor="ctr" anchorCtr="1" compatLnSpc="1">
+            <a:noAutofit/>
+          </a:bodyPr>
+          <a:lstStyle/>
+          <a:p>
+            <a:pPr marL="0" marR="0" lvl="0" indent="0" algn="ctr" defTabSz="914400" rtl="0" fontAlgn="auto" hangingPunct="1">
+              <a:lnSpc>
+                <a:spcPct val="100000"/>
+              </a:lnSpc>
+              <a:spcBef>
+                <a:spcPts val="0"/>
+              </a:spcBef>
+              <a:spcAft>
+                <a:spcPts val="0"/>
+              </a:spcAft>
+              <a:buNone/>
+              <a:tabLst/>
+              <a:defRPr sz="1800" b="0" i="0" u="none" strike="noStrike" kern="0" cap="none" spc="0" baseline="0">
+                <a:solidFill>
+                  <a:srgbClr val="000000"/>
+                </a:solidFill>
+                <a:uFillTx/>
+              </a:defRPr>
+            </a:pPr>
+            <a:endParaRPr lang="en-US" sz="1800" b="0" i="0" u="none" strike="noStrike" kern="1200" cap="none" spc="0" baseline="0">
+              <a:solidFill>
+                <a:srgbClr val="FFFFFF"/>
+              </a:solidFill>
+              <a:uFillTx/>
+              <a:latin typeface="Aptos"/>
+            </a:endParaRPr>
+          </a:p>
+        </p:txBody>
+      </p:sp>
+      <p:sp>
+        <p:nvSpPr>
+          <p:cNvPr id="6" name="Rectangle 15">
+            <a:extLst>
+              <a:ext uri="{FF2B5EF4-FFF2-40B4-BE49-F238E27FC236}">
+                <a16:creationId xmlns:a16="http://schemas.microsoft.com/office/drawing/2014/main" id="{F113EE1A-EA9F-14D8-3663-5CBEF104D5E3}"/>
+              </a:ext>
+              <a:ext uri="{C183D7F6-B498-43B3-948B-1728B52AA6E4}">
+                <adec:decorative xmlns:adec="http://schemas.microsoft.com/office/drawing/2017/decorative" val="1"/>
+              </a:ext>
+            </a:extLst>
+          </p:cNvPr>
+          <p:cNvSpPr>
+            <a:spLocks noMove="1" noResize="1"/>
+          </p:cNvSpPr>
+          <p:nvPr/>
+        </p:nvSpPr>
+        <p:spPr>
+          <a:xfrm>
+            <a:off x="459348" y="0"/>
+            <a:ext cx="11732648" cy="1597429"/>
+          </a:xfrm>
+          <a:prstGeom prst="rect">
+            <a:avLst/>
+          </a:prstGeom>
+          <a:gradFill>
+            <a:gsLst>
+              <a:gs pos="0">
+                <a:srgbClr val="000000">
+                  <a:alpha val="0"/>
+                </a:srgbClr>
+              </a:gs>
+              <a:gs pos="100000">
+                <a:srgbClr val="0B3041">
+                  <a:alpha val="52000"/>
+                </a:srgbClr>
+              </a:gs>
+            </a:gsLst>
+            <a:lin ang="16800000"/>
+          </a:gradFill>
+          <a:ln cap="flat">
+            <a:noFill/>
+            <a:prstDash val="solid"/>
+          </a:ln>
+        </p:spPr>
+        <p:txBody>
+          <a:bodyPr vert="horz" wrap="square" lIns="91440" tIns="45720" rIns="91440" bIns="45720" anchor="ctr" anchorCtr="1" compatLnSpc="1">
+            <a:noAutofit/>
+          </a:bodyPr>
+          <a:lstStyle/>
+          <a:p>
+            <a:pPr marL="0" marR="0" lvl="0" indent="0" algn="ctr" defTabSz="914400" rtl="0" fontAlgn="auto" hangingPunct="1">
+              <a:lnSpc>
+                <a:spcPct val="100000"/>
+              </a:lnSpc>
+              <a:spcBef>
+                <a:spcPts val="0"/>
+              </a:spcBef>
+              <a:spcAft>
+                <a:spcPts val="0"/>
+              </a:spcAft>
+              <a:buNone/>
+              <a:tabLst/>
+              <a:defRPr sz="1800" b="0" i="0" u="none" strike="noStrike" kern="0" cap="none" spc="0" baseline="0">
+                <a:solidFill>
+                  <a:srgbClr val="000000"/>
+                </a:solidFill>
+                <a:uFillTx/>
+              </a:defRPr>
+            </a:pPr>
+            <a:endParaRPr lang="en-US" sz="1800" b="0" i="0" u="none" strike="noStrike" kern="1200" cap="none" spc="0" baseline="0">
+              <a:solidFill>
+                <a:srgbClr val="FFFFFF"/>
+              </a:solidFill>
+              <a:uFillTx/>
+              <a:latin typeface="Aptos"/>
+            </a:endParaRPr>
+          </a:p>
+        </p:txBody>
+      </p:sp>
+      <p:sp>
+        <p:nvSpPr>
+          <p:cNvPr id="7" name="Titolo 1">
+            <a:extLst>
+              <a:ext uri="{FF2B5EF4-FFF2-40B4-BE49-F238E27FC236}">
+                <a16:creationId xmlns:a16="http://schemas.microsoft.com/office/drawing/2014/main" id="{F1B97923-96EA-4AA6-BBF6-AB4CAEFC10A4}"/>
+              </a:ext>
+            </a:extLst>
+          </p:cNvPr>
+          <p:cNvSpPr txBox="1">
+            <a:spLocks noGrp="1"/>
+          </p:cNvSpPr>
+          <p:nvPr>
+            <p:ph type="title"/>
+          </p:nvPr>
+        </p:nvSpPr>
+        <p:spPr>
+          <a:xfrm>
+            <a:off x="1371600" y="294537"/>
+            <a:ext cx="9895947" cy="1033665"/>
+          </a:xfrm>
+        </p:spPr>
+        <p:txBody>
+          <a:bodyPr/>
+          <a:lstStyle/>
+          <a:p>
+            <a:pPr lvl="0"/>
+            <a:r>
+              <a:rPr lang="it-IT" sz="4000" dirty="0">
+                <a:solidFill>
+                  <a:srgbClr val="FFFFFF"/>
+                </a:solidFill>
+              </a:rPr>
+              <a:t>Modello del Sistema</a:t>
+            </a:r>
+          </a:p>
+        </p:txBody>
+      </p:sp>
+      <p:sp>
+        <p:nvSpPr>
+          <p:cNvPr id="8" name="Segnaposto contenuto 2">
+            <a:extLst>
+              <a:ext uri="{FF2B5EF4-FFF2-40B4-BE49-F238E27FC236}">
+                <a16:creationId xmlns:a16="http://schemas.microsoft.com/office/drawing/2014/main" id="{B7ED7B59-4B4A-F939-91A2-5EB0383D6566}"/>
+              </a:ext>
+            </a:extLst>
+          </p:cNvPr>
+          <p:cNvSpPr txBox="1">
+            <a:spLocks noGrp="1"/>
+          </p:cNvSpPr>
+          <p:nvPr>
+            <p:ph idx="1"/>
+          </p:nvPr>
+        </p:nvSpPr>
+        <p:spPr>
+          <a:xfrm>
+            <a:off x="1371600" y="2318196"/>
+            <a:ext cx="3803904" cy="3725988"/>
+          </a:xfrm>
+        </p:spPr>
+        <p:txBody>
+          <a:bodyPr anchor="ctr"/>
+          <a:lstStyle/>
+          <a:p>
+            <a:pPr lvl="0"/>
+            <a:r>
+              <a:rPr lang="it-IT" sz="2000" dirty="0"/>
+              <a:t>Routing fisso </a:t>
+            </a:r>
+          </a:p>
+          <a:p>
+            <a:pPr lvl="0"/>
+            <a:r>
+              <a:rPr lang="it-IT" sz="2000" dirty="0"/>
+              <a:t>Incremento dei tempi medi di servizio server A e P in caso di F2A</a:t>
+            </a:r>
+          </a:p>
+          <a:p>
+            <a:pPr lvl="0"/>
+            <a:r>
+              <a:rPr lang="it-IT" sz="2000" dirty="0"/>
+              <a:t>Scaling orizzontale server B</a:t>
+            </a:r>
+          </a:p>
+          <a:p>
+            <a:pPr lvl="0"/>
+            <a:r>
+              <a:rPr lang="it-IT" sz="2000" dirty="0"/>
+              <a:t>Selezione copie B First </a:t>
+            </a:r>
+            <a:r>
+              <a:rPr lang="it-IT" sz="2000" dirty="0" err="1"/>
+              <a:t>Fit</a:t>
+            </a:r>
+            <a:endParaRPr lang="it-IT" sz="2000" dirty="0"/>
+          </a:p>
+          <a:p>
+            <a:pPr lvl="0"/>
+            <a:r>
+              <a:rPr lang="it-IT" sz="2000" dirty="0"/>
+              <a:t>No thinking time</a:t>
+            </a:r>
+          </a:p>
+          <a:p>
+            <a:pPr lvl="0"/>
+            <a:r>
+              <a:rPr lang="it-IT" sz="2000" dirty="0"/>
+              <a:t>No network delay</a:t>
+            </a:r>
+          </a:p>
+        </p:txBody>
+      </p:sp>
+      <p:pic>
+        <p:nvPicPr>
+          <p:cNvPr id="11" name="Immagine 10" descr="Immagine che contiene schizzo, diagramma, disegno, Disegno tecnico&#10;&#10;Il contenuto generato dall'IA potrebbe non essere corretto.">
+            <a:extLst>
+              <a:ext uri="{FF2B5EF4-FFF2-40B4-BE49-F238E27FC236}">
+                <a16:creationId xmlns:a16="http://schemas.microsoft.com/office/drawing/2014/main" id="{1ECB34F6-ADE1-04F6-18B3-CBA08043651B}"/>
+              </a:ext>
+            </a:extLst>
+          </p:cNvPr>
+          <p:cNvPicPr>
+            <a:picLocks noChangeAspect="1"/>
+          </p:cNvPicPr>
+          <p:nvPr/>
+        </p:nvPicPr>
+        <p:blipFill>
+          <a:blip r:embed="rId2">
+            <a:extLst>
+              <a:ext uri="{28A0092B-C50C-407E-A947-70E740481C1C}">
+                <a14:useLocalDpi xmlns:a14="http://schemas.microsoft.com/office/drawing/2010/main" val="0"/>
+              </a:ext>
+            </a:extLst>
+          </a:blip>
+          <a:stretch>
+            <a:fillRect/>
+          </a:stretch>
+        </p:blipFill>
+        <p:spPr>
+          <a:xfrm>
+            <a:off x="6486813" y="1951383"/>
+            <a:ext cx="3256974" cy="2269647"/>
+          </a:xfrm>
+          <a:prstGeom prst="rect">
+            <a:avLst/>
+          </a:prstGeom>
+        </p:spPr>
+      </p:pic>
+      <p:pic>
+        <p:nvPicPr>
+          <p:cNvPr id="9" name="Immagine 8">
+            <a:extLst>
+              <a:ext uri="{FF2B5EF4-FFF2-40B4-BE49-F238E27FC236}">
+                <a16:creationId xmlns:a16="http://schemas.microsoft.com/office/drawing/2014/main" id="{FF6FC3F3-AF9C-CABA-8413-5C2DF935CA5B}"/>
+              </a:ext>
+            </a:extLst>
+          </p:cNvPr>
+          <p:cNvPicPr>
+            <a:picLocks noChangeAspect="1"/>
+          </p:cNvPicPr>
+          <p:nvPr/>
+        </p:nvPicPr>
+        <p:blipFill>
+          <a:blip r:embed="rId3"/>
+          <a:stretch>
+            <a:fillRect/>
+          </a:stretch>
+        </p:blipFill>
+        <p:spPr>
+          <a:xfrm>
+            <a:off x="5959571" y="4317442"/>
+            <a:ext cx="5307976" cy="1535039"/>
+          </a:xfrm>
+          <a:prstGeom prst="rect">
+            <a:avLst/>
+          </a:prstGeom>
+        </p:spPr>
+      </p:pic>
+    </p:spTree>
+    <p:extLst>
+      <p:ext uri="{BB962C8B-B14F-4D97-AF65-F5344CB8AC3E}">
+        <p14:creationId xmlns:p14="http://schemas.microsoft.com/office/powerpoint/2010/main" val="413916462"/>
       </p:ext>
     </p:extLst>
   </p:cSld>
